--- a/PPTs/ProgramacionII_Clase_19.2-2018.pptx
+++ b/PPTs/ProgramacionII_Clase_19.2-2018.pptx
@@ -123,6 +123,11 @@
       </a:defRPr>
     </a:lvl9pPr>
   </p:defaultTextStyle>
+  <p:extLst>
+    <p:ext uri="{EFAFB233-063F-42B5-8137-9DF3F51BA10A}">
+      <p15:sldGuideLst xmlns:p15="http://schemas.microsoft.com/office/powerpoint/2012/main"/>
+    </p:ext>
+  </p:extLst>
 </p:presentation>
 </file>
 
@@ -400,7 +405,7 @@
           <a:p>
             <a:fld id="{78ABE3C1-DBE1-495D-B57B-2849774B866A}" type="datetimeFigureOut">
               <a:rPr lang="en-US" dirty="0"/>
-              <a:t>10/24/2018</a:t>
+              <a:t>10/28/2019</a:t>
             </a:fld>
             <a:endParaRPr lang="en-US" dirty="0"/>
           </a:p>
@@ -809,7 +814,7 @@
           <a:p>
             <a:fld id="{446C117F-5CCF-4837-BE5F-2B92066CAFAF}" type="datetimeFigureOut">
               <a:rPr lang="en-US" dirty="0"/>
-              <a:t>10/24/2018</a:t>
+              <a:t>10/28/2019</a:t>
             </a:fld>
             <a:endParaRPr lang="en-US" dirty="0"/>
           </a:p>
@@ -1140,7 +1145,7 @@
           <a:p>
             <a:fld id="{84EB90BD-B6CE-46B7-997F-7313B992CCDC}" type="datetimeFigureOut">
               <a:rPr lang="en-US" dirty="0"/>
-              <a:t>10/24/2018</a:t>
+              <a:t>10/28/2019</a:t>
             </a:fld>
             <a:endParaRPr lang="en-US" dirty="0"/>
           </a:p>
@@ -1540,7 +1545,7 @@
           <a:p>
             <a:fld id="{CDB9D11F-B188-461D-B23F-39381795C052}" type="datetimeFigureOut">
               <a:rPr lang="en-US" dirty="0"/>
-              <a:t>10/24/2018</a:t>
+              <a:t>10/28/2019</a:t>
             </a:fld>
             <a:endParaRPr lang="en-US" dirty="0"/>
           </a:p>
@@ -2103,7 +2108,7 @@
           <a:p>
             <a:fld id="{52E6D8D9-55A2-4063-B0F3-121F44549695}" type="datetimeFigureOut">
               <a:rPr lang="en-US" dirty="0"/>
-              <a:t>10/24/2018</a:t>
+              <a:t>10/28/2019</a:t>
             </a:fld>
             <a:endParaRPr lang="en-US" dirty="0"/>
           </a:p>
@@ -2779,7 +2784,7 @@
           <a:p>
             <a:fld id="{D4B24536-994D-4021-A283-9F449C0DB509}" type="datetimeFigureOut">
               <a:rPr lang="en-US" dirty="0"/>
-              <a:t>10/24/2018</a:t>
+              <a:t>10/28/2019</a:t>
             </a:fld>
             <a:endParaRPr lang="en-US" dirty="0"/>
           </a:p>
@@ -3687,7 +3692,7 @@
           <a:p>
             <a:fld id="{3CBBBB78-C96F-47B7-AB17-D852CA960AC9}" type="datetimeFigureOut">
               <a:rPr lang="en-US" dirty="0"/>
-              <a:t>10/24/2018</a:t>
+              <a:t>10/28/2019</a:t>
             </a:fld>
             <a:endParaRPr lang="en-US" dirty="0"/>
           </a:p>
@@ -3995,7 +4000,7 @@
           <a:p>
             <a:fld id="{1FA3F48C-C7C6-4055-9F49-3777875E72AE}" type="datetimeFigureOut">
               <a:rPr lang="en-US" dirty="0"/>
-              <a:t>10/24/2018</a:t>
+              <a:t>10/28/2019</a:t>
             </a:fld>
             <a:endParaRPr lang="en-US" dirty="0"/>
           </a:p>
@@ -4254,7 +4259,7 @@
           <a:p>
             <a:fld id="{6178E61D-D431-422C-9764-11DAFE33AB63}" type="datetimeFigureOut">
               <a:rPr lang="en-US" dirty="0"/>
-              <a:t>10/24/2018</a:t>
+              <a:t>10/28/2019</a:t>
             </a:fld>
             <a:endParaRPr lang="en-US" dirty="0"/>
           </a:p>
@@ -4573,7 +4578,7 @@
           <a:p>
             <a:fld id="{12DE42F4-6EEF-4EF7-8ED4-2208F0F89A08}" type="datetimeFigureOut">
               <a:rPr lang="en-US" dirty="0"/>
-              <a:t>10/24/2018</a:t>
+              <a:t>10/28/2019</a:t>
             </a:fld>
             <a:endParaRPr lang="en-US" dirty="0"/>
           </a:p>
@@ -4957,7 +4962,7 @@
           <a:p>
             <a:fld id="{30578ACC-22D6-47C1-A373-4FD133E34F3C}" type="datetimeFigureOut">
               <a:rPr lang="en-US" dirty="0"/>
-              <a:t>10/24/2018</a:t>
+              <a:t>10/28/2019</a:t>
             </a:fld>
             <a:endParaRPr lang="en-US" dirty="0"/>
           </a:p>
@@ -5328,7 +5333,7 @@
           <a:p>
             <a:fld id="{4E5A6C69-6797-4E8A-BF37-F2C3751466E9}" type="datetimeFigureOut">
               <a:rPr lang="en-US" dirty="0"/>
-              <a:t>10/24/2018</a:t>
+              <a:t>10/28/2019</a:t>
             </a:fld>
             <a:endParaRPr lang="en-US" dirty="0"/>
           </a:p>
@@ -5829,7 +5834,7 @@
           <a:p>
             <a:fld id="{D82014A1-A632-4878-A0D3-F52BA7563730}" type="datetimeFigureOut">
               <a:rPr lang="en-US" dirty="0"/>
-              <a:t>10/24/2018</a:t>
+              <a:t>10/28/2019</a:t>
             </a:fld>
             <a:endParaRPr lang="en-US" dirty="0"/>
           </a:p>
@@ -6081,7 +6086,7 @@
           <a:p>
             <a:fld id="{CE99F462-093F-4566-844B-4C71F2739DA5}" type="datetimeFigureOut">
               <a:rPr lang="en-US" dirty="0"/>
-              <a:t>10/24/2018</a:t>
+              <a:t>10/28/2019</a:t>
             </a:fld>
             <a:endParaRPr lang="en-US" dirty="0"/>
           </a:p>
@@ -6239,7 +6244,7 @@
           <a:p>
             <a:fld id="{3D24A7AC-904D-4781-85BA-7D10C17ED021}" type="datetimeFigureOut">
               <a:rPr lang="en-US" dirty="0"/>
-              <a:t>10/24/2018</a:t>
+              <a:t>10/28/2019</a:t>
             </a:fld>
             <a:endParaRPr lang="en-US" dirty="0"/>
           </a:p>
@@ -6624,7 +6629,7 @@
           <a:p>
             <a:fld id="{E331444B-B92B-4E27-8C94-BB93EAF5CB18}" type="datetimeFigureOut">
               <a:rPr lang="en-US" dirty="0"/>
-              <a:t>10/24/2018</a:t>
+              <a:t>10/28/2019</a:t>
             </a:fld>
             <a:endParaRPr lang="en-US" dirty="0"/>
           </a:p>
@@ -7028,7 +7033,7 @@
           <a:p>
             <a:fld id="{363EFA5E-FA76-400D-B3DC-F0BA90E6D107}" type="datetimeFigureOut">
               <a:rPr lang="en-US" dirty="0"/>
-              <a:t>10/24/2018</a:t>
+              <a:t>10/28/2019</a:t>
             </a:fld>
             <a:endParaRPr lang="en-US" dirty="0"/>
           </a:p>
@@ -7267,7 +7272,7 @@
           <a:p>
             <a:fld id="{9D6E9DEC-419B-4CC5-A080-3B06BD5A8291}" type="datetimeFigureOut">
               <a:rPr lang="en-US" dirty="0"/>
-              <a:t>10/24/2018</a:t>
+              <a:t>10/28/2019</a:t>
             </a:fld>
             <a:endParaRPr lang="en-US" dirty="0"/>
           </a:p>
@@ -7859,6 +7864,13 @@
   <p:clrMapOvr>
     <a:masterClrMapping/>
   </p:clrMapOvr>
+  <p:timing>
+    <p:tnLst>
+      <p:par>
+        <p:cTn id="1" dur="indefinite" restart="never" nodeType="tmRoot"/>
+      </p:par>
+    </p:tnLst>
+  </p:timing>
 </p:sld>
 </file>
 
@@ -8569,16 +8581,16 @@
                 </a:solidFill>
                 <a:latin typeface="Consolas" panose="020B0609020204030204" pitchFamily="49" charset="0"/>
               </a:rPr>
-              <a:t>, Codificación</a:t>
-            </a:r>
-            <a:r>
-              <a:rPr lang="es-AR" sz="2000" dirty="0" smtClean="0">
+              <a:t>, </a:t>
+            </a:r>
+            <a:r>
+              <a:rPr lang="es-AR" sz="2000" dirty="0">
                 <a:solidFill>
                   <a:srgbClr val="000000"/>
                 </a:solidFill>
                 <a:latin typeface="Consolas" panose="020B0609020204030204" pitchFamily="49" charset="0"/>
               </a:rPr>
-              <a:t>);</a:t>
+              <a:t>Encoding.UTF8);</a:t>
             </a:r>
             <a:endParaRPr lang="es-AR" sz="2000" dirty="0">
               <a:solidFill>
@@ -8841,6 +8853,13 @@
   <p:clrMapOvr>
     <a:masterClrMapping/>
   </p:clrMapOvr>
+  <p:timing>
+    <p:tnLst>
+      <p:par>
+        <p:cTn id="1" dur="indefinite" restart="never" nodeType="tmRoot"/>
+      </p:par>
+    </p:tnLst>
+  </p:timing>
 </p:sld>
 </file>
 
@@ -10220,6 +10239,13 @@
   <p:clrMapOvr>
     <a:masterClrMapping/>
   </p:clrMapOvr>
+  <p:timing>
+    <p:tnLst>
+      <p:par>
+        <p:cTn id="1" dur="indefinite" restart="never" nodeType="tmRoot"/>
+      </p:par>
+    </p:tnLst>
+  </p:timing>
 </p:sld>
 </file>
 
@@ -11970,6 +11996,13 @@
   <p:clrMapOvr>
     <a:masterClrMapping/>
   </p:clrMapOvr>
+  <p:timing>
+    <p:tnLst>
+      <p:par>
+        <p:cTn id="1" dur="indefinite" restart="never" nodeType="tmRoot"/>
+      </p:par>
+    </p:tnLst>
+  </p:timing>
 </p:sld>
 </file>
 
@@ -12805,6 +12838,13 @@
   <p:clrMapOvr>
     <a:masterClrMapping/>
   </p:clrMapOvr>
+  <p:timing>
+    <p:tnLst>
+      <p:par>
+        <p:cTn id="1" dur="indefinite" restart="never" nodeType="tmRoot"/>
+      </p:par>
+    </p:tnLst>
+  </p:timing>
 </p:sld>
 </file>
 
@@ -13263,13 +13303,22 @@
               <a:t> Dato(); </a:t>
             </a:r>
             <a:r>
+              <a:rPr lang="es-AR" sz="2000" dirty="0" smtClean="0">
+                <a:solidFill>
+                  <a:srgbClr val="008000"/>
+                </a:solidFill>
+                <a:latin typeface="Consolas" panose="020B0609020204030204" pitchFamily="49" charset="0"/>
+              </a:rPr>
+              <a:t>// </a:t>
+            </a:r>
+            <a:r>
               <a:rPr lang="es-AR" sz="2000" dirty="0">
                 <a:solidFill>
                   <a:srgbClr val="008000"/>
                 </a:solidFill>
                 <a:latin typeface="Consolas" panose="020B0609020204030204" pitchFamily="49" charset="0"/>
               </a:rPr>
-              <a:t>// Objeto a serializar</a:t>
+              <a:t>Objeto a serializar</a:t>
             </a:r>
             <a:r>
               <a:rPr lang="es-AR" sz="2000" dirty="0" smtClean="0">
@@ -13301,7 +13350,7 @@
                 </a:solidFill>
                 <a:latin typeface="Consolas" panose="020B0609020204030204" pitchFamily="49" charset="0"/>
               </a:rPr>
-              <a:t>FileStream</a:t>
+              <a:t>Stream</a:t>
             </a:r>
             <a:r>
               <a:rPr lang="es-AR" sz="2000" dirty="0" smtClean="0">
@@ -13342,11 +13391,20 @@
             <a:r>
               <a:rPr lang="es-AR" sz="2000" dirty="0" smtClean="0">
                 <a:solidFill>
+                  <a:srgbClr val="000000"/>
+                </a:solidFill>
+                <a:latin typeface="Consolas" panose="020B0609020204030204" pitchFamily="49" charset="0"/>
+              </a:rPr>
+              <a:t>		</a:t>
+            </a:r>
+            <a:r>
+              <a:rPr lang="es-AR" sz="2000" dirty="0" smtClean="0">
+                <a:solidFill>
                   <a:srgbClr val="008000"/>
                 </a:solidFill>
                 <a:latin typeface="Consolas" panose="020B0609020204030204" pitchFamily="49" charset="0"/>
               </a:rPr>
-              <a:t>//</a:t>
+              <a:t>// Objeto </a:t>
             </a:r>
             <a:r>
               <a:rPr lang="es-AR" sz="2000" dirty="0">
@@ -13355,7 +13413,7 @@
                 </a:solidFill>
                 <a:latin typeface="Consolas" panose="020B0609020204030204" pitchFamily="49" charset="0"/>
               </a:rPr>
-              <a:t>Objeto que escribirá en binario.</a:t>
+              <a:t>que escribirá en binario.</a:t>
             </a:r>
             <a:endParaRPr lang="es-AR" sz="2000" dirty="0">
               <a:solidFill>
@@ -13392,20 +13450,11 @@
             <a:r>
               <a:rPr lang="es-AR" sz="2000" dirty="0" smtClean="0">
                 <a:solidFill>
-                  <a:srgbClr val="000000"/>
-                </a:solidFill>
-                <a:latin typeface="Consolas" panose="020B0609020204030204" pitchFamily="49" charset="0"/>
-              </a:rPr>
-              <a:t> </a:t>
-            </a:r>
-            <a:r>
-              <a:rPr lang="es-AR" sz="2000" dirty="0" smtClean="0">
-                <a:solidFill>
                   <a:srgbClr val="008000"/>
                 </a:solidFill>
                 <a:latin typeface="Consolas" panose="020B0609020204030204" pitchFamily="49" charset="0"/>
               </a:rPr>
-              <a:t>//</a:t>
+              <a:t>// Objeto </a:t>
             </a:r>
             <a:r>
               <a:rPr lang="es-AR" sz="2000" dirty="0">
@@ -13414,7 +13463,7 @@
                 </a:solidFill>
                 <a:latin typeface="Consolas" panose="020B0609020204030204" pitchFamily="49" charset="0"/>
               </a:rPr>
-              <a:t>Objeto que serializará</a:t>
+              <a:t>que serializará</a:t>
             </a:r>
             <a:r>
               <a:rPr lang="es-AR" sz="2000" dirty="0" smtClean="0">
@@ -13792,6 +13841,13 @@
   <p:clrMapOvr>
     <a:masterClrMapping/>
   </p:clrMapOvr>
+  <p:timing>
+    <p:tnLst>
+      <p:par>
+        <p:cTn id="1" dur="indefinite" restart="never" nodeType="tmRoot"/>
+      </p:par>
+    </p:tnLst>
+  </p:timing>
 </p:sld>
 </file>
 
@@ -13993,6 +14049,13 @@
   <p:clrMapOvr>
     <a:masterClrMapping/>
   </p:clrMapOvr>
+  <p:timing>
+    <p:tnLst>
+      <p:par>
+        <p:cTn id="1" dur="indefinite" restart="never" nodeType="tmRoot"/>
+      </p:par>
+    </p:tnLst>
+  </p:timing>
 </p:sld>
 </file>
 
@@ -14482,49 +14545,58 @@
               <a:buNone/>
             </a:pPr>
             <a:r>
+              <a:rPr lang="es-AR" sz="2000" dirty="0" err="1" smtClean="0">
+                <a:solidFill>
+                  <a:srgbClr val="000000"/>
+                </a:solidFill>
+                <a:latin typeface="Consolas" panose="020B0609020204030204" pitchFamily="49" charset="0"/>
+              </a:rPr>
+              <a:t>Stream</a:t>
+            </a:r>
+            <a:r>
+              <a:rPr lang="es-AR" sz="2000" dirty="0" smtClean="0">
+                <a:solidFill>
+                  <a:srgbClr val="000000"/>
+                </a:solidFill>
+                <a:latin typeface="Consolas" panose="020B0609020204030204" pitchFamily="49" charset="0"/>
+              </a:rPr>
+              <a:t> </a:t>
+            </a:r>
+            <a:r>
               <a:rPr lang="es-AR" sz="2000" dirty="0" err="1">
                 <a:solidFill>
                   <a:srgbClr val="000000"/>
                 </a:solidFill>
                 <a:latin typeface="Consolas" panose="020B0609020204030204" pitchFamily="49" charset="0"/>
               </a:rPr>
-              <a:t>FileStream</a:t>
+              <a:t>fs</a:t>
+            </a:r>
+            <a:r>
+              <a:rPr lang="es-AR" sz="2000">
+                <a:solidFill>
+                  <a:srgbClr val="000000"/>
+                </a:solidFill>
+                <a:latin typeface="Consolas" panose="020B0609020204030204" pitchFamily="49" charset="0"/>
+              </a:rPr>
+              <a:t>;            </a:t>
+            </a:r>
+            <a:r>
+              <a:rPr lang="es-AR" sz="2000" smtClean="0">
+                <a:solidFill>
+                  <a:srgbClr val="008000"/>
+                </a:solidFill>
+                <a:latin typeface="Consolas" panose="020B0609020204030204" pitchFamily="49" charset="0"/>
+              </a:rPr>
+              <a:t>// Objeto </a:t>
             </a:r>
             <a:r>
               <a:rPr lang="es-AR" sz="2000" dirty="0">
                 <a:solidFill>
-                  <a:srgbClr val="000000"/>
-                </a:solidFill>
-                <a:latin typeface="Consolas" panose="020B0609020204030204" pitchFamily="49" charset="0"/>
-              </a:rPr>
-              <a:t> </a:t>
-            </a:r>
-            <a:r>
-              <a:rPr lang="es-AR" sz="2000" dirty="0" err="1">
-                <a:solidFill>
-                  <a:srgbClr val="000000"/>
-                </a:solidFill>
-                <a:latin typeface="Consolas" panose="020B0609020204030204" pitchFamily="49" charset="0"/>
-              </a:rPr>
-              <a:t>fs</a:t>
-            </a:r>
-            <a:r>
-              <a:rPr lang="es-AR" sz="2000" dirty="0">
-                <a:solidFill>
-                  <a:srgbClr val="000000"/>
-                </a:solidFill>
-                <a:latin typeface="Consolas" panose="020B0609020204030204" pitchFamily="49" charset="0"/>
-              </a:rPr>
-              <a:t>;            </a:t>
-            </a:r>
-            <a:r>
-              <a:rPr lang="es-AR" sz="2000" dirty="0">
-                <a:solidFill>
                   <a:srgbClr val="008000"/>
                 </a:solidFill>
                 <a:latin typeface="Consolas" panose="020B0609020204030204" pitchFamily="49" charset="0"/>
               </a:rPr>
-              <a:t>//Objeto que leerá en binario.</a:t>
+              <a:t>que leerá en binario.</a:t>
             </a:r>
             <a:endParaRPr lang="es-AR" sz="2000" dirty="0">
               <a:solidFill>
@@ -14556,7 +14628,16 @@
                 </a:solidFill>
                 <a:latin typeface="Consolas" panose="020B0609020204030204" pitchFamily="49" charset="0"/>
               </a:rPr>
-              <a:t> ser;      </a:t>
+              <a:t> ser;  </a:t>
+            </a:r>
+            <a:r>
+              <a:rPr lang="es-AR" sz="2000" dirty="0" smtClean="0">
+                <a:solidFill>
+                  <a:srgbClr val="008000"/>
+                </a:solidFill>
+                <a:latin typeface="Consolas" panose="020B0609020204030204" pitchFamily="49" charset="0"/>
+              </a:rPr>
+              <a:t>// Objeto </a:t>
             </a:r>
             <a:r>
               <a:rPr lang="es-AR" sz="2000" dirty="0">
@@ -14565,7 +14646,7 @@
                 </a:solidFill>
                 <a:latin typeface="Consolas" panose="020B0609020204030204" pitchFamily="49" charset="0"/>
               </a:rPr>
-              <a:t>//Objeto que </a:t>
+              <a:t>que </a:t>
             </a:r>
             <a:r>
               <a:rPr lang="es-AR" sz="2000" dirty="0" err="1">
@@ -15021,6 +15102,13 @@
   <p:clrMapOvr>
     <a:masterClrMapping/>
   </p:clrMapOvr>
+  <p:timing>
+    <p:tnLst>
+      <p:par>
+        <p:cTn id="1" dur="indefinite" restart="never" nodeType="tmRoot"/>
+      </p:par>
+    </p:tnLst>
+  </p:timing>
 </p:sld>
 </file>
 
@@ -15393,6 +15481,13 @@
   <p:clrMapOvr>
     <a:masterClrMapping/>
   </p:clrMapOvr>
+  <p:timing>
+    <p:tnLst>
+      <p:par>
+        <p:cTn id="1" dur="indefinite" restart="never" nodeType="tmRoot"/>
+      </p:par>
+    </p:tnLst>
+  </p:timing>
 </p:sld>
 </file>
 
@@ -15450,6 +15545,13 @@
   <p:clrMapOvr>
     <a:masterClrMapping/>
   </p:clrMapOvr>
+  <p:timing>
+    <p:tnLst>
+      <p:par>
+        <p:cTn id="1" dur="indefinite" restart="never" nodeType="tmRoot"/>
+      </p:par>
+    </p:tnLst>
+  </p:timing>
 </p:sld>
 </file>
 
@@ -15778,6 +15880,13 @@
   <p:clrMapOvr>
     <a:masterClrMapping/>
   </p:clrMapOvr>
+  <p:timing>
+    <p:tnLst>
+      <p:par>
+        <p:cTn id="1" dur="indefinite" restart="never" nodeType="tmRoot"/>
+      </p:par>
+    </p:tnLst>
+  </p:timing>
 </p:sld>
 </file>
 
